--- a/HUST-Theme-PPT/v1扁平16-9.pptx
+++ b/HUST-Theme-PPT/v1扁平16-9.pptx
@@ -205,7 +205,7 @@
           <a:p>
             <a:fld id="{BDA51940-DB52-3B48-AABB-9C7938529E4E}" type="datetimeFigureOut">
               <a:rPr kumimoji="1" lang="zh-CN" altLang="en-US" smtClean="0"/>
-              <a:t>2026/1/5</a:t>
+              <a:t>2026/1/18</a:t>
             </a:fld>
             <a:endParaRPr kumimoji="1" lang="zh-CN" altLang="en-US"/>
           </a:p>
@@ -944,7 +944,7 @@
             </a:pPr>
             <a:fld id="{E4551058-E5DB-324A-A8E9-6D3BEF243C3B}" type="datetimeFigureOut">
               <a:rPr kumimoji="1" lang="zh-CN" altLang="en-US" smtClean="0"/>
-              <a:t>2026/1/5</a:t>
+              <a:t>2026/1/18</a:t>
             </a:fld>
             <a:endParaRPr kumimoji="1" lang="zh-CN" altLang="en-US"/>
           </a:p>
@@ -1383,7 +1383,7 @@
             </a:pPr>
             <a:fld id="{E4551058-E5DB-324A-A8E9-6D3BEF243C3B}" type="datetimeFigureOut">
               <a:rPr kumimoji="1" lang="zh-CN" altLang="en-US" smtClean="0"/>
-              <a:t>2026/1/5</a:t>
+              <a:t>2026/1/18</a:t>
             </a:fld>
             <a:endParaRPr kumimoji="1" lang="zh-CN" altLang="en-US"/>
           </a:p>
@@ -1620,7 +1620,7 @@
             </a:pPr>
             <a:fld id="{E4551058-E5DB-324A-A8E9-6D3BEF243C3B}" type="datetimeFigureOut">
               <a:rPr kumimoji="1" lang="zh-CN" altLang="en-US" smtClean="0"/>
-              <a:t>2026/1/5</a:t>
+              <a:t>2026/1/18</a:t>
             </a:fld>
             <a:endParaRPr kumimoji="1" lang="zh-CN" altLang="en-US"/>
           </a:p>
@@ -1996,7 +1996,7 @@
             </a:pPr>
             <a:fld id="{E4551058-E5DB-324A-A8E9-6D3BEF243C3B}" type="datetimeFigureOut">
               <a:rPr kumimoji="1" lang="zh-CN" altLang="en-US" smtClean="0"/>
-              <a:t>2026/1/5</a:t>
+              <a:t>2026/1/18</a:t>
             </a:fld>
             <a:endParaRPr kumimoji="1" lang="zh-CN" altLang="en-US"/>
           </a:p>
@@ -2142,7 +2142,7 @@
             </a:pPr>
             <a:fld id="{E4551058-E5DB-324A-A8E9-6D3BEF243C3B}" type="datetimeFigureOut">
               <a:rPr kumimoji="1" lang="zh-CN" altLang="en-US" smtClean="0"/>
-              <a:t>2026/1/5</a:t>
+              <a:t>2026/1/18</a:t>
             </a:fld>
             <a:endParaRPr kumimoji="1" lang="zh-CN" altLang="en-US"/>
           </a:p>
@@ -2548,7 +2548,7 @@
             </a:pPr>
             <a:fld id="{E4551058-E5DB-324A-A8E9-6D3BEF243C3B}" type="datetimeFigureOut">
               <a:rPr kumimoji="1" lang="zh-CN" altLang="en-US" smtClean="0"/>
-              <a:t>2026/1/5</a:t>
+              <a:t>2026/1/18</a:t>
             </a:fld>
             <a:endParaRPr kumimoji="1" lang="zh-CN" altLang="en-US"/>
           </a:p>
@@ -3084,7 +3084,7 @@
             </a:pPr>
             <a:fld id="{E4551058-E5DB-324A-A8E9-6D3BEF243C3B}" type="datetimeFigureOut">
               <a:rPr kumimoji="1" lang="zh-CN" altLang="en-US" smtClean="0"/>
-              <a:t>2026/1/5</a:t>
+              <a:t>2026/1/18</a:t>
             </a:fld>
             <a:endParaRPr kumimoji="1" lang="zh-CN" altLang="en-US"/>
           </a:p>
@@ -3471,7 +3471,7 @@
             </a:pPr>
             <a:fld id="{E4551058-E5DB-324A-A8E9-6D3BEF243C3B}" type="datetimeFigureOut">
               <a:rPr kumimoji="1" lang="zh-CN" altLang="en-US" smtClean="0"/>
-              <a:t>2026/1/5</a:t>
+              <a:t>2026/1/18</a:t>
             </a:fld>
             <a:endParaRPr kumimoji="1" lang="zh-CN" altLang="en-US"/>
           </a:p>
@@ -3994,7 +3994,7 @@
             </a:pPr>
             <a:fld id="{E4551058-E5DB-324A-A8E9-6D3BEF243C3B}" type="datetimeFigureOut">
               <a:rPr kumimoji="1" lang="zh-CN" altLang="en-US" smtClean="0"/>
-              <a:t>2026/1/5</a:t>
+              <a:t>2026/1/18</a:t>
             </a:fld>
             <a:endParaRPr kumimoji="1" lang="zh-CN" altLang="en-US"/>
           </a:p>
@@ -4161,7 +4161,7 @@
             </a:pPr>
             <a:fld id="{E4551058-E5DB-324A-A8E9-6D3BEF243C3B}" type="datetimeFigureOut">
               <a:rPr kumimoji="1" lang="zh-CN" altLang="en-US" smtClean="0"/>
-              <a:t>2026/1/5</a:t>
+              <a:t>2026/1/18</a:t>
             </a:fld>
             <a:endParaRPr kumimoji="1" lang="zh-CN" altLang="en-US"/>
           </a:p>
@@ -4328,7 +4328,7 @@
             </a:pPr>
             <a:fld id="{E4551058-E5DB-324A-A8E9-6D3BEF243C3B}" type="datetimeFigureOut">
               <a:rPr kumimoji="1" lang="zh-CN" altLang="en-US" smtClean="0"/>
-              <a:t>2026/1/5</a:t>
+              <a:t>2026/1/18</a:t>
             </a:fld>
             <a:endParaRPr kumimoji="1" lang="zh-CN" altLang="en-US"/>
           </a:p>
@@ -4682,7 +4682,7 @@
             </a:pPr>
             <a:fld id="{E4551058-E5DB-324A-A8E9-6D3BEF243C3B}" type="datetimeFigureOut">
               <a:rPr kumimoji="1" lang="zh-CN" altLang="en-US" smtClean="0"/>
-              <a:t>2026/1/5</a:t>
+              <a:t>2026/1/18</a:t>
             </a:fld>
             <a:endParaRPr kumimoji="1" lang="zh-CN" altLang="en-US"/>
           </a:p>
@@ -5082,7 +5082,7 @@
             </a:pPr>
             <a:fld id="{E4551058-E5DB-324A-A8E9-6D3BEF243C3B}" type="datetimeFigureOut">
               <a:rPr kumimoji="1" lang="zh-CN" altLang="en-US" smtClean="0"/>
-              <a:t>2026/1/5</a:t>
+              <a:t>2026/1/18</a:t>
             </a:fld>
             <a:endParaRPr kumimoji="1" lang="zh-CN" altLang="en-US"/>
           </a:p>
@@ -5780,10 +5780,24 @@
               </a:defRPr>
             </a:pPr>
             <a:r>
+              <a:rPr lang="en-US" altLang="zh-CN" dirty="0" err="1">
+                <a:solidFill/>
+              </a:rPr>
+              <a:t>zhu</a:t>
+            </a:r>
+            <a:endParaRPr lang="en-US" altLang="zh-CN" dirty="0"/>
+          </a:p>
+          <a:p>
+            <a:pPr>
+              <a:defRPr>
+                <a:solidFill/>
+              </a:defRPr>
+            </a:pPr>
+            <a:r>
               <a:rPr lang="zh-CN" altLang="en-US" dirty="0">
                 <a:solidFill/>
               </a:rPr>
-              <a:t>朱亮</a:t>
+              <a:t>东五楼</a:t>
             </a:r>
             <a:endParaRPr lang="en-US" altLang="zh-CN" dirty="0"/>
           </a:p>
@@ -5794,48 +5808,34 @@
               </a:defRPr>
             </a:pPr>
             <a:r>
+              <a:rPr lang="en-US" altLang="zh-CN" dirty="0">
+                <a:solidFill/>
+              </a:rPr>
+              <a:t>2026</a:t>
+            </a:r>
+            <a:r>
               <a:rPr lang="zh-CN" altLang="en-US" dirty="0">
                 <a:solidFill/>
               </a:rPr>
-              <a:t>东五楼</a:t>
-            </a:r>
-            <a:endParaRPr lang="en-US" altLang="zh-CN" dirty="0"/>
-          </a:p>
-          <a:p>
-            <a:pPr>
-              <a:defRPr>
-                <a:solidFill/>
-              </a:defRPr>
-            </a:pPr>
+              <a:t>年</a:t>
+            </a:r>
             <a:r>
               <a:rPr lang="en-US" altLang="zh-CN" dirty="0">
                 <a:solidFill/>
               </a:rPr>
-              <a:t>2020</a:t>
+              <a:t>1</a:t>
             </a:r>
             <a:r>
               <a:rPr lang="zh-CN" altLang="en-US" dirty="0">
                 <a:solidFill/>
               </a:rPr>
-              <a:t>年</a:t>
+              <a:t>月</a:t>
             </a:r>
             <a:r>
               <a:rPr lang="en-US" altLang="zh-CN" dirty="0">
                 <a:solidFill/>
               </a:rPr>
-              <a:t>6</a:t>
-            </a:r>
-            <a:r>
-              <a:rPr lang="zh-CN" altLang="en-US" dirty="0">
-                <a:solidFill/>
-              </a:rPr>
-              <a:t>月</a:t>
-            </a:r>
-            <a:r>
-              <a:rPr lang="en-US" altLang="zh-CN" dirty="0">
-                <a:solidFill/>
-              </a:rPr>
-              <a:t>12</a:t>
+              <a:t>18</a:t>
             </a:r>
             <a:r>
               <a:rPr lang="zh-CN" altLang="en-US" dirty="0">
@@ -5884,7 +5884,7 @@
               <a:rPr lang="zh-CN" altLang="en-US" dirty="0">
                 <a:solidFill/>
               </a:rPr>
-              <a:t>清华简约主题</a:t>
+              <a:t>华科简约主题</a:t>
             </a:r>
             <a:r>
               <a:rPr lang="en-US" altLang="zh-CN" dirty="0">
@@ -6181,7 +6181,7 @@
               <a:rPr lang="zh-CN" altLang="en-US" dirty="0">
                 <a:solidFill/>
               </a:rPr>
-              <a:t>本清华主题模板实际上编辑了幻灯片母版，使图案和配色固定下来，使用时可类似于使用</a:t>
+              <a:t>本华科主题模板实际上编辑了幻灯片母版，使图案和配色固定下来，使用时可类似于使用</a:t>
             </a:r>
             <a:r>
               <a:rPr lang="en-US" altLang="zh-CN" dirty="0">
@@ -6240,7 +6240,7 @@
                 <a:solidFill/>
                 <a:hlinkClick r:id="rId2"/>
               </a:rPr>
-              <a:t>https://github.com/atomiechen/THU-PPT-Theme</a:t>
+              <a:t>https://github.com/LSTM-zhul/HUST-PPT</a:t>
             </a:r>
             <a:endParaRPr lang="en-US" altLang="zh-CN" dirty="0"/>
           </a:p>
@@ -6461,7 +6461,7 @@
               <a:rPr lang="zh-CN" altLang="en-US" dirty="0">
                 <a:solidFill/>
               </a:rPr>
-              <a:t>东五楼终于迎来了第一批在籍毕业生</a:t>
+              <a:t>东五楼又迎来了一批在籍毕业生</a:t>
             </a:r>
             <a:endParaRPr lang="en-US" altLang="zh-CN" dirty="0"/>
           </a:p>
@@ -6475,7 +6475,7 @@
               <a:rPr lang="zh-CN" altLang="en-US" dirty="0">
                 <a:solidFill/>
               </a:rPr>
-              <a:t>扫地机科学与技术</a:t>
+              <a:t>大模型 智能体</a:t>
             </a:r>
             <a:endParaRPr lang="en-US" altLang="zh-CN" dirty="0"/>
           </a:p>
@@ -6518,7 +6518,7 @@
                 <a:solidFill/>
                 <a:hlinkClick r:id="rId2"/>
               </a:rPr>
-              <a:t>https://github.com/atomiechen/THU-PPT-Theme</a:t>
+              <a:t>https://github.com/LSTM-zhul/HUST-PPT</a:t>
             </a:r>
             <a:endParaRPr lang="en-US" altLang="zh-CN" dirty="0"/>
           </a:p>
@@ -6634,20 +6634,7 @@
               <a:rPr lang="en" altLang="zh-CN" dirty="0">
                 <a:solidFill/>
               </a:rPr>
-              <a:t>Weihao CHEN from Xinya College</a:t>
-            </a:r>
-          </a:p>
-          <a:p>
-            <a:pPr>
-              <a:defRPr>
-                <a:solidFill/>
-              </a:defRPr>
-            </a:pPr>
-            <a:r>
-              <a:rPr lang="en-US" altLang="zh-CN" dirty="0">
-                <a:solidFill/>
-              </a:rPr>
-              <a:t>Sweeper</a:t>
+              <a:t>liang</a:t>
             </a:r>
             <a:r>
               <a:rPr lang="zh-CN" altLang="en-US" dirty="0">
@@ -6656,10 +6643,10 @@
               <a:t> </a:t>
             </a:r>
             <a:r>
-              <a:rPr lang="en-US" altLang="zh-CN" dirty="0">
-                <a:solidFill/>
-              </a:rPr>
-              <a:t>Science</a:t>
+              <a:rPr lang="en-US" altLang="zh-CN" dirty="0" err="1">
+                <a:solidFill/>
+              </a:rPr>
+              <a:t>zhu</a:t>
             </a:r>
             <a:r>
               <a:rPr lang="zh-CN" altLang="en-US" dirty="0">
@@ -6668,35 +6655,52 @@
               <a:t> </a:t>
             </a:r>
             <a:r>
-              <a:rPr lang="en-US" altLang="zh-CN" dirty="0">
-                <a:solidFill/>
-              </a:rPr>
-              <a:t>and</a:t>
+              <a:rPr lang="en" altLang="zh-CN" dirty="0">
+                <a:solidFill/>
+              </a:rPr>
+              <a:t>from HUST </a:t>
+            </a:r>
+          </a:p>
+          <a:p>
+            <a:r>
+              <a:rPr kumimoji="1" lang="en" altLang="zh-CN" dirty="0">
+                <a:solidFill/>
+              </a:rPr>
+              <a:t>Heterogeneous</a:t>
+            </a:r>
+            <a:r>
+              <a:rPr kumimoji="1" lang="zh-CN" altLang="en-US" dirty="0">
+                <a:solidFill/>
+              </a:rPr>
+              <a:t> </a:t>
+            </a:r>
+            <a:r>
+              <a:rPr kumimoji="1" lang="en-US" altLang="zh-CN" dirty="0">
+                <a:solidFill/>
+              </a:rPr>
+              <a:t>multi-agents</a:t>
+            </a:r>
+            <a:endParaRPr kumimoji="1" lang="en" altLang="zh-CN" dirty="0">
+              <a:solidFill/>
+            </a:endParaRPr>
+          </a:p>
+          <a:p>
+            <a:pPr>
+              <a:defRPr>
+                <a:solidFill/>
+              </a:defRPr>
+            </a:pPr>
+            <a:r>
+              <a:rPr lang="en-US" altLang="zh-CN" dirty="0" err="1">
+                <a:solidFill/>
+              </a:rPr>
+              <a:t>zhul</a:t>
             </a:r>
             <a:r>
               <a:rPr lang="zh-CN" altLang="en-US" dirty="0">
                 <a:solidFill/>
               </a:rPr>
-              <a:t> </a:t>
-            </a:r>
-            <a:r>
-              <a:rPr lang="en-US" altLang="zh-CN" dirty="0">
-                <a:solidFill/>
-              </a:rPr>
-              <a:t>Technology</a:t>
-            </a:r>
-          </a:p>
-          <a:p>
-            <a:pPr>
-              <a:defRPr>
-                <a:solidFill/>
-              </a:defRPr>
-            </a:pPr>
-            <a:r>
-              <a:rPr lang="zh-CN" altLang="en-US" dirty="0">
-                <a:solidFill/>
-              </a:rPr>
-              <a:t>朱亮做了一个清净的主题模板</a:t>
+              <a:t>做了一个清净的主题模板</a:t>
             </a:r>
             <a:endParaRPr lang="en-US" altLang="zh-CN" dirty="0"/>
           </a:p>
@@ -6797,10 +6801,10 @@
               </a:defRPr>
             </a:pPr>
             <a:r>
-              <a:rPr lang="zh-CN" altLang="en-US">
-                <a:solidFill/>
-              </a:rPr>
-              <a:t>艾敝舍</a:t>
+              <a:rPr lang="zh-CN" altLang="en-US" dirty="0">
+                <a:solidFill/>
+              </a:rPr>
+              <a:t>紫菘舍</a:t>
             </a:r>
             <a:endParaRPr lang="zh-CN" altLang="en-US" dirty="0"/>
           </a:p>
@@ -6928,39 +6932,6 @@
           </a:p>
         </p:txBody>
       </p:sp>
-      <p:pic>
-        <p:nvPicPr>
-          <p:cNvPr id="8" name="图片 7">
-            <a:extLst>
-              <a:ext uri="{FF2B5EF4-FFF2-40B4-BE49-F238E27FC236}">
-                <a16:creationId xmlns:a16="http://schemas.microsoft.com/office/drawing/2014/main" id="{DFC622A5-6804-3144-BB79-E48876154550}"/>
-              </a:ext>
-            </a:extLst>
-          </p:cNvPr>
-          <p:cNvPicPr>
-            <a:picLocks noChangeAspect="1"/>
-          </p:cNvPicPr>
-          <p:nvPr/>
-        </p:nvPicPr>
-        <p:blipFill>
-          <a:blip r:embed="rId3"/>
-          <a:stretch>
-            <a:fillRect/>
-          </a:stretch>
-        </p:blipFill>
-        <p:spPr>
-          <a:xfrm>
-            <a:off x="2428489" y="977819"/>
-            <a:ext cx="7335022" cy="3417969"/>
-          </a:xfrm>
-          <a:prstGeom prst="rect">
-            <a:avLst/>
-          </a:prstGeom>
-          <a:ln>
-            <a:solidFill/>
-          </a:ln>
-        </p:spPr>
-      </p:pic>
     </p:spTree>
     <p:extLst>
       <p:ext uri="{BB962C8B-B14F-4D97-AF65-F5344CB8AC3E}">
@@ -7379,7 +7350,7 @@
               <a:rPr lang="zh-CN" altLang="en-US" dirty="0">
                 <a:solidFill/>
               </a:rPr>
-              <a:t>扫地机科学与技术</a:t>
+              <a:t>异构多智能体协同</a:t>
             </a:r>
           </a:p>
         </p:txBody>
@@ -7458,7 +7429,7 @@
               <a:rPr lang="en-US" altLang="zh-CN" dirty="0" err="1">
                 <a:solidFill/>
               </a:rPr>
-              <a:t>Atomie</a:t>
+              <a:t>zhu</a:t>
             </a:r>
             <a:endParaRPr lang="en-US" altLang="zh-CN" dirty="0"/>
           </a:p>
